--- a/Analysis Factors that Affecting Students Performance in Exams using Replicate Presentation.pptx
+++ b/Analysis Factors that Affecting Students Performance in Exams using Replicate Presentation.pptx
@@ -16,21 +16,22 @@
     <p:sldId id="264" r:id="rId14"/>
     <p:sldId id="265" r:id="rId15"/>
     <p:sldId id="266" r:id="rId16"/>
+    <p:sldId id="267" r:id="rId17"/>
   </p:sldIdLst>
   <p:sldSz cx="18288000" cy="10287000"/>
   <p:notesSz cx="6858000" cy="9144000"/>
   <p:embeddedFontLst>
     <p:embeddedFont>
       <p:font typeface="Bricolage Grotesque Bold" charset="1" panose="020B0605040402000204"/>
-      <p:regular r:id="rId17"/>
+      <p:regular r:id="rId18"/>
     </p:embeddedFont>
     <p:embeddedFont>
       <p:font typeface="Canva Sans Bold" charset="1" panose="020B0803030501040103"/>
-      <p:regular r:id="rId18"/>
+      <p:regular r:id="rId19"/>
     </p:embeddedFont>
     <p:embeddedFont>
       <p:font typeface="Canva Sans" charset="1" panose="020B0503030501040103"/>
-      <p:regular r:id="rId19"/>
+      <p:regular r:id="rId20"/>
     </p:embeddedFont>
   </p:embeddedFontLst>
   <p:defaultTextStyle>
@@ -3944,6 +3945,340 @@
         </p:nvSpPr>
         <p:spPr>
           <a:xfrm rot="0">
+            <a:off x="1266639" y="2339988"/>
+            <a:ext cx="15992661" cy="4612615"/>
+          </a:xfrm>
+          <a:prstGeom prst="rect">
+            <a:avLst/>
+          </a:prstGeom>
+        </p:spPr>
+        <p:txBody>
+          <a:bodyPr anchor="t" rtlCol="false" tIns="0" lIns="0" bIns="0" rIns="0">
+            <a:spAutoFit/>
+          </a:bodyPr>
+          <a:lstStyle/>
+          <a:p>
+            <a:pPr algn="just">
+              <a:lnSpc>
+                <a:spcPts val="4058"/>
+              </a:lnSpc>
+            </a:pPr>
+            <a:r>
+              <a:rPr lang="en-US" sz="2899">
+                <a:solidFill>
+                  <a:srgbClr val="000000"/>
+                </a:solidFill>
+                <a:latin typeface="Canva Sans"/>
+                <a:ea typeface="Canva Sans"/>
+                <a:cs typeface="Canva Sans"/>
+                <a:sym typeface="Canva Sans"/>
+              </a:rPr>
+              <a:t>This analysis is supported by the IBM Granite Large Language Model (LLM), accessed through the Replicate API and integrated with LangChain. The model is used not only to provide automatic insights for each individual data row, such as assessing usefulness and generating clear explanations, but also to act as an intelligent assistant for data manipulation tasks. By creating a Pandas DataFrame agent, the model can rapidly execute operations like removing missing values, dropping duplicate records, and performing other routine preprocessing steps. In this way, the AI component helps accelerate both the exploratory and cleaning phases of the analysis, allowing the focus to shift toward interpreting results and identifying meaningful patterns in the dataset.</a:t>
+            </a:r>
+          </a:p>
+        </p:txBody>
+      </p:sp>
+      <p:sp>
+        <p:nvSpPr>
+          <p:cNvPr name="Freeform 3" id="3"/>
+          <p:cNvSpPr/>
+          <p:nvPr/>
+        </p:nvSpPr>
+        <p:spPr>
+          <a:xfrm flipH="false" flipV="false" rot="0">
+            <a:off x="-837175" y="6952603"/>
+            <a:ext cx="1314337" cy="10092342"/>
+          </a:xfrm>
+          <a:custGeom>
+            <a:avLst/>
+            <a:gdLst/>
+            <a:ahLst/>
+            <a:cxnLst/>
+            <a:rect r="r" b="b" t="t" l="l"/>
+            <a:pathLst>
+              <a:path h="10092342" w="1314337">
+                <a:moveTo>
+                  <a:pt x="0" y="0"/>
+                </a:moveTo>
+                <a:lnTo>
+                  <a:pt x="1314336" y="0"/>
+                </a:lnTo>
+                <a:lnTo>
+                  <a:pt x="1314336" y="10092342"/>
+                </a:lnTo>
+                <a:lnTo>
+                  <a:pt x="0" y="10092342"/>
+                </a:lnTo>
+                <a:lnTo>
+                  <a:pt x="0" y="0"/>
+                </a:lnTo>
+                <a:close/>
+              </a:path>
+            </a:pathLst>
+          </a:custGeom>
+          <a:blipFill>
+            <a:blip r:embed="rId2">
+              <a:extLst>
+                <a:ext uri="{96DAC541-7B7A-43D3-8B79-37D633B846F1}">
+                  <asvg:svgBlip xmlns:asvg="http://schemas.microsoft.com/office/drawing/2016/SVG/main" r:embed="rId3"/>
+                </a:ext>
+              </a:extLst>
+            </a:blip>
+            <a:stretch>
+              <a:fillRect l="0" t="0" r="0" b="0"/>
+            </a:stretch>
+          </a:blipFill>
+        </p:spPr>
+      </p:sp>
+      <p:sp>
+        <p:nvSpPr>
+          <p:cNvPr name="Freeform 4" id="4"/>
+          <p:cNvSpPr/>
+          <p:nvPr/>
+        </p:nvSpPr>
+        <p:spPr>
+          <a:xfrm flipH="false" flipV="false" rot="0">
+            <a:off x="527066" y="7964135"/>
+            <a:ext cx="1296824" cy="9105009"/>
+          </a:xfrm>
+          <a:custGeom>
+            <a:avLst/>
+            <a:gdLst/>
+            <a:ahLst/>
+            <a:cxnLst/>
+            <a:rect r="r" b="b" t="t" l="l"/>
+            <a:pathLst>
+              <a:path h="9105009" w="1296824">
+                <a:moveTo>
+                  <a:pt x="0" y="0"/>
+                </a:moveTo>
+                <a:lnTo>
+                  <a:pt x="1296824" y="0"/>
+                </a:lnTo>
+                <a:lnTo>
+                  <a:pt x="1296824" y="9105010"/>
+                </a:lnTo>
+                <a:lnTo>
+                  <a:pt x="0" y="9105010"/>
+                </a:lnTo>
+                <a:lnTo>
+                  <a:pt x="0" y="0"/>
+                </a:lnTo>
+                <a:close/>
+              </a:path>
+            </a:pathLst>
+          </a:custGeom>
+          <a:blipFill>
+            <a:blip r:embed="rId4">
+              <a:extLst>
+                <a:ext uri="{96DAC541-7B7A-43D3-8B79-37D633B846F1}">
+                  <asvg:svgBlip xmlns:asvg="http://schemas.microsoft.com/office/drawing/2016/SVG/main" r:embed="rId5"/>
+                </a:ext>
+              </a:extLst>
+            </a:blip>
+            <a:stretch>
+              <a:fillRect l="0" t="0" r="0" b="0"/>
+            </a:stretch>
+          </a:blipFill>
+        </p:spPr>
+      </p:sp>
+      <p:sp>
+        <p:nvSpPr>
+          <p:cNvPr name="Freeform 5" id="5"/>
+          <p:cNvSpPr/>
+          <p:nvPr/>
+        </p:nvSpPr>
+        <p:spPr>
+          <a:xfrm flipH="false" flipV="false" rot="0">
+            <a:off x="1891308" y="8975667"/>
+            <a:ext cx="1279311" cy="8117676"/>
+          </a:xfrm>
+          <a:custGeom>
+            <a:avLst/>
+            <a:gdLst/>
+            <a:ahLst/>
+            <a:cxnLst/>
+            <a:rect r="r" b="b" t="t" l="l"/>
+            <a:pathLst>
+              <a:path h="8117676" w="1279311">
+                <a:moveTo>
+                  <a:pt x="0" y="0"/>
+                </a:moveTo>
+                <a:lnTo>
+                  <a:pt x="1279310" y="0"/>
+                </a:lnTo>
+                <a:lnTo>
+                  <a:pt x="1279310" y="8117675"/>
+                </a:lnTo>
+                <a:lnTo>
+                  <a:pt x="0" y="8117675"/>
+                </a:lnTo>
+                <a:lnTo>
+                  <a:pt x="0" y="0"/>
+                </a:lnTo>
+                <a:close/>
+              </a:path>
+            </a:pathLst>
+          </a:custGeom>
+          <a:blipFill>
+            <a:blip r:embed="rId6">
+              <a:extLst>
+                <a:ext uri="{96DAC541-7B7A-43D3-8B79-37D633B846F1}">
+                  <asvg:svgBlip xmlns:asvg="http://schemas.microsoft.com/office/drawing/2016/SVG/main" r:embed="rId7"/>
+                </a:ext>
+              </a:extLst>
+            </a:blip>
+            <a:stretch>
+              <a:fillRect l="0" t="0" r="0" b="0"/>
+            </a:stretch>
+          </a:blipFill>
+        </p:spPr>
+      </p:sp>
+      <p:sp>
+        <p:nvSpPr>
+          <p:cNvPr name="Freeform 6" id="6"/>
+          <p:cNvSpPr/>
+          <p:nvPr/>
+        </p:nvSpPr>
+        <p:spPr>
+          <a:xfrm flipH="false" flipV="false" rot="0">
+            <a:off x="3255549" y="9987199"/>
+            <a:ext cx="1261797" cy="7130343"/>
+          </a:xfrm>
+          <a:custGeom>
+            <a:avLst/>
+            <a:gdLst/>
+            <a:ahLst/>
+            <a:cxnLst/>
+            <a:rect r="r" b="b" t="t" l="l"/>
+            <a:pathLst>
+              <a:path h="7130343" w="1261797">
+                <a:moveTo>
+                  <a:pt x="0" y="0"/>
+                </a:moveTo>
+                <a:lnTo>
+                  <a:pt x="1261798" y="0"/>
+                </a:lnTo>
+                <a:lnTo>
+                  <a:pt x="1261798" y="7130343"/>
+                </a:lnTo>
+                <a:lnTo>
+                  <a:pt x="0" y="7130343"/>
+                </a:lnTo>
+                <a:lnTo>
+                  <a:pt x="0" y="0"/>
+                </a:lnTo>
+                <a:close/>
+              </a:path>
+            </a:pathLst>
+          </a:custGeom>
+          <a:blipFill>
+            <a:blip r:embed="rId8">
+              <a:extLst>
+                <a:ext uri="{96DAC541-7B7A-43D3-8B79-37D633B846F1}">
+                  <asvg:svgBlip xmlns:asvg="http://schemas.microsoft.com/office/drawing/2016/SVG/main" r:embed="rId9"/>
+                </a:ext>
+              </a:extLst>
+            </a:blip>
+            <a:stretch>
+              <a:fillRect l="0" t="0" r="0" b="0"/>
+            </a:stretch>
+          </a:blipFill>
+        </p:spPr>
+      </p:sp>
+      <p:sp>
+        <p:nvSpPr>
+          <p:cNvPr name="TextBox 7" id="7"/>
+          <p:cNvSpPr txBox="true"/>
+          <p:nvPr/>
+        </p:nvSpPr>
+        <p:spPr>
+          <a:xfrm rot="0">
+            <a:off x="670195" y="952500"/>
+            <a:ext cx="16947609" cy="663575"/>
+          </a:xfrm>
+          <a:prstGeom prst="rect">
+            <a:avLst/>
+          </a:prstGeom>
+        </p:spPr>
+        <p:txBody>
+          <a:bodyPr anchor="t" rtlCol="false" tIns="0" lIns="0" bIns="0" rIns="0">
+            <a:spAutoFit/>
+          </a:bodyPr>
+          <a:lstStyle/>
+          <a:p>
+            <a:pPr algn="ctr">
+              <a:lnSpc>
+                <a:spcPts val="5425"/>
+              </a:lnSpc>
+            </a:pPr>
+            <a:r>
+              <a:rPr lang="en-US" sz="3875" b="true">
+                <a:solidFill>
+                  <a:srgbClr val="000000"/>
+                </a:solidFill>
+                <a:latin typeface="Bricolage Grotesque Bold"/>
+                <a:ea typeface="Bricolage Grotesque Bold"/>
+                <a:cs typeface="Bricolage Grotesque Bold"/>
+                <a:sym typeface="Bricolage Grotesque Bold"/>
+              </a:rPr>
+              <a:t>AI S</a:t>
+            </a:r>
+            <a:r>
+              <a:rPr lang="en-US" sz="3875" b="true">
+                <a:solidFill>
+                  <a:srgbClr val="000000"/>
+                </a:solidFill>
+                <a:latin typeface="Bricolage Grotesque Bold"/>
+                <a:ea typeface="Bricolage Grotesque Bold"/>
+                <a:cs typeface="Bricolage Grotesque Bold"/>
+                <a:sym typeface="Bricolage Grotesque Bold"/>
+              </a:rPr>
+              <a:t>upport Explanation</a:t>
+            </a:r>
+          </a:p>
+        </p:txBody>
+      </p:sp>
+    </p:spTree>
+  </p:cSld>
+  <p:clrMapOvr>
+    <a:masterClrMapping/>
+  </p:clrMapOvr>
+</p:sld>
+</file>
+
+<file path=ppt/slides/slide12.xml><?xml version="1.0" encoding="utf-8"?>
+<p:sld xmlns:p="http://schemas.openxmlformats.org/presentationml/2006/main" xmlns:a="http://schemas.openxmlformats.org/drawingml/2006/main" xmlns:r="http://schemas.openxmlformats.org/officeDocument/2006/relationships">
+  <p:cSld>
+    <p:bg>
+      <p:bgPr>
+        <a:solidFill>
+          <a:srgbClr val="F9F9F9"/>
+        </a:solidFill>
+      </p:bgPr>
+    </p:bg>
+    <p:spTree>
+      <p:nvGrpSpPr>
+        <p:cNvPr id="1" name=""/>
+        <p:cNvGrpSpPr/>
+        <p:nvPr/>
+      </p:nvGrpSpPr>
+      <p:grpSpPr>
+        <a:xfrm>
+          <a:off x="0" y="0"/>
+          <a:ext cx="0" cy="0"/>
+          <a:chOff x="0" y="0"/>
+          <a:chExt cx="0" cy="0"/>
+        </a:xfrm>
+      </p:grpSpPr>
+      <p:sp>
+        <p:nvSpPr>
+          <p:cNvPr name="TextBox 2" id="2"/>
+          <p:cNvSpPr txBox="true"/>
+          <p:nvPr/>
+        </p:nvSpPr>
+        <p:spPr>
+          <a:xfrm rot="0">
             <a:off x="4674585" y="3559016"/>
             <a:ext cx="8639342" cy="2326676"/>
           </a:xfrm>
